--- a/format_encodings/documents/Base64 Encoding.pptx
+++ b/format_encodings/documents/Base64 Encoding.pptx
@@ -8600,7 +8600,7 @@
             <a:tbl>
               <a:tblPr>
                 <a:noFill/>
-                <a:tableStyleId>{B83D14B2-BBE4-437F-9E92-D31E2ED22BAC}</a:tableStyleId>
+                <a:tableStyleId>{E89C7B27-CD2D-41C1-9092-03CE18265915}</a:tableStyleId>
               </a:tblPr>
               <a:tblGrid>
                 <a:gridCol w="248425"/>
@@ -9884,7 +9884,7 @@
             <a:tbl>
               <a:tblPr>
                 <a:noFill/>
-                <a:tableStyleId>{B83D14B2-BBE4-437F-9E92-D31E2ED22BAC}</a:tableStyleId>
+                <a:tableStyleId>{E89C7B27-CD2D-41C1-9092-03CE18265915}</a:tableStyleId>
               </a:tblPr>
               <a:tblGrid>
                 <a:gridCol w="248425"/>
@@ -11216,7 +11216,7 @@
             <a:tbl>
               <a:tblPr>
                 <a:noFill/>
-                <a:tableStyleId>{B83D14B2-BBE4-437F-9E92-D31E2ED22BAC}</a:tableStyleId>
+                <a:tableStyleId>{E89C7B27-CD2D-41C1-9092-03CE18265915}</a:tableStyleId>
               </a:tblPr>
               <a:tblGrid>
                 <a:gridCol w="248425"/>
@@ -12578,7 +12578,7 @@
             <a:tbl>
               <a:tblPr>
                 <a:noFill/>
-                <a:tableStyleId>{B83D14B2-BBE4-437F-9E92-D31E2ED22BAC}</a:tableStyleId>
+                <a:tableStyleId>{E89C7B27-CD2D-41C1-9092-03CE18265915}</a:tableStyleId>
               </a:tblPr>
               <a:tblGrid>
                 <a:gridCol w="248425"/>
@@ -14111,7 +14111,7 @@
             <a:tbl>
               <a:tblPr>
                 <a:noFill/>
-                <a:tableStyleId>{B83D14B2-BBE4-437F-9E92-D31E2ED22BAC}</a:tableStyleId>
+                <a:tableStyleId>{E89C7B27-CD2D-41C1-9092-03CE18265915}</a:tableStyleId>
               </a:tblPr>
               <a:tblGrid>
                 <a:gridCol w="248425"/>
@@ -15347,7 +15347,7 @@
             <a:tbl>
               <a:tblPr>
                 <a:noFill/>
-                <a:tableStyleId>{B83D14B2-BBE4-437F-9E92-D31E2ED22BAC}</a:tableStyleId>
+                <a:tableStyleId>{E89C7B27-CD2D-41C1-9092-03CE18265915}</a:tableStyleId>
               </a:tblPr>
               <a:tblGrid>
                 <a:gridCol w="248425"/>
@@ -16679,7 +16679,7 @@
             <a:tbl>
               <a:tblPr>
                 <a:noFill/>
-                <a:tableStyleId>{B83D14B2-BBE4-437F-9E92-D31E2ED22BAC}</a:tableStyleId>
+                <a:tableStyleId>{E89C7B27-CD2D-41C1-9092-03CE18265915}</a:tableStyleId>
               </a:tblPr>
               <a:tblGrid>
                 <a:gridCol w="248425"/>
@@ -18279,7 +18279,7 @@
             </a:pPr>
             <a:r>
               <a:rPr lang="en" sz="1300"/>
-              <a:t>lb $t1, 0($a0)</a:t>
+              <a:t>lbu $t1, 0($a0)</a:t>
             </a:r>
             <a:endParaRPr sz="1300"/>
           </a:p>
@@ -18467,7 +18467,7 @@
             <a:tbl>
               <a:tblPr>
                 <a:noFill/>
-                <a:tableStyleId>{B83D14B2-BBE4-437F-9E92-D31E2ED22BAC}</a:tableStyleId>
+                <a:tableStyleId>{E89C7B27-CD2D-41C1-9092-03CE18265915}</a:tableStyleId>
               </a:tblPr>
               <a:tblGrid>
                 <a:gridCol w="248425"/>
@@ -19747,7 +19747,7 @@
             <a:tbl>
               <a:tblPr>
                 <a:noFill/>
-                <a:tableStyleId>{B83D14B2-BBE4-437F-9E92-D31E2ED22BAC}</a:tableStyleId>
+                <a:tableStyleId>{E89C7B27-CD2D-41C1-9092-03CE18265915}</a:tableStyleId>
               </a:tblPr>
               <a:tblGrid>
                 <a:gridCol w="248425"/>
@@ -20969,7 +20969,7 @@
             <a:tbl>
               <a:tblPr>
                 <a:noFill/>
-                <a:tableStyleId>{B83D14B2-BBE4-437F-9E92-D31E2ED22BAC}</a:tableStyleId>
+                <a:tableStyleId>{E89C7B27-CD2D-41C1-9092-03CE18265915}</a:tableStyleId>
               </a:tblPr>
               <a:tblGrid>
                 <a:gridCol w="248425"/>
@@ -22191,7 +22191,7 @@
             <a:tbl>
               <a:tblPr>
                 <a:noFill/>
-                <a:tableStyleId>{B83D14B2-BBE4-437F-9E92-D31E2ED22BAC}</a:tableStyleId>
+                <a:tableStyleId>{E89C7B27-CD2D-41C1-9092-03CE18265915}</a:tableStyleId>
               </a:tblPr>
               <a:tblGrid>
                 <a:gridCol w="248425"/>
@@ -23581,7 +23581,7 @@
             <a:tbl>
               <a:tblPr>
                 <a:noFill/>
-                <a:tableStyleId>{B83D14B2-BBE4-437F-9E92-D31E2ED22BAC}</a:tableStyleId>
+                <a:tableStyleId>{E89C7B27-CD2D-41C1-9092-03CE18265915}</a:tableStyleId>
               </a:tblPr>
               <a:tblGrid>
                 <a:gridCol w="248425"/>
@@ -25255,7 +25255,7 @@
             <a:tbl>
               <a:tblPr>
                 <a:noFill/>
-                <a:tableStyleId>{B83D14B2-BBE4-437F-9E92-D31E2ED22BAC}</a:tableStyleId>
+                <a:tableStyleId>{E89C7B27-CD2D-41C1-9092-03CE18265915}</a:tableStyleId>
               </a:tblPr>
               <a:tblGrid>
                 <a:gridCol w="248425"/>
@@ -27472,7 +27472,7 @@
             </a:pPr>
             <a:r>
               <a:rPr lang="en"/>
-              <a:t>What if the size of the input is not divisible by 24 		#lcm(6,8)</a:t>
+              <a:t>What if the size of the input is not divisible by 24 		# lcm(6,8)</a:t>
             </a:r>
             <a:endParaRPr/>
           </a:p>
